--- a/slides/week-04-conditionals-redirections.pptx
+++ b/slides/week-04-conditionals-redirections.pptx
@@ -5,7 +5,7 @@
     <p:sldMasterId id="2147483648" r:id="rId1"/>
   </p:sldMasterIdLst>
   <p:notesMasterIdLst>
-    <p:notesMasterId r:id="rId39"/>
+    <p:notesMasterId r:id="rId42"/>
   </p:notesMasterIdLst>
   <p:sldIdLst>
     <p:sldId id="257" r:id="rId2"/>
@@ -45,6 +45,9 @@
     <p:sldId id="290" r:id="rId36"/>
     <p:sldId id="291" r:id="rId37"/>
     <p:sldId id="292" r:id="rId38"/>
+    <p:sldId id="296" r:id="rId39"/>
+    <p:sldId id="297" r:id="rId40"/>
+    <p:sldId id="298" r:id="rId41"/>
   </p:sldIdLst>
   <p:sldSz cx="9144000" cy="6858000" type="screen4x3"/>
   <p:notesSz cx="6858000" cy="9144000"/>
@@ -228,7 +231,7 @@
           <a:p>
             <a:fld id="{E024E3B1-BBED-714D-AE2B-67B8E822FF8F}" type="datetimeFigureOut">
               <a:rPr lang="en-US" smtClean="0"/>
-              <a:t>9/18/18</a:t>
+              <a:t>9/19/18</a:t>
             </a:fld>
             <a:endParaRPr lang="en-US"/>
           </a:p>
@@ -640,7 +643,7 @@
         <p:nvSpPr>
           <p:cNvPr id="44034" name="Rectangle 2"/>
           <p:cNvSpPr>
-            <a:spLocks noChangeArrowheads="1" noTextEdit="1"/>
+            <a:spLocks noGrp="1" noRot="1" noChangeAspect="1" noChangeArrowheads="1" noTextEdit="1"/>
           </p:cNvSpPr>
           <p:nvPr>
             <p:ph type="sldImg"/>
@@ -729,7 +732,7 @@
         <p:nvSpPr>
           <p:cNvPr id="26626" name="Rectangle 2"/>
           <p:cNvSpPr>
-            <a:spLocks noChangeArrowheads="1" noTextEdit="1"/>
+            <a:spLocks noGrp="1" noRot="1" noChangeAspect="1" noChangeArrowheads="1" noTextEdit="1"/>
           </p:cNvSpPr>
           <p:nvPr>
             <p:ph type="sldImg"/>
@@ -818,7 +821,7 @@
         <p:nvSpPr>
           <p:cNvPr id="27650" name="Rectangle 2"/>
           <p:cNvSpPr>
-            <a:spLocks noChangeArrowheads="1" noTextEdit="1"/>
+            <a:spLocks noGrp="1" noRot="1" noChangeAspect="1" noChangeArrowheads="1" noTextEdit="1"/>
           </p:cNvSpPr>
           <p:nvPr>
             <p:ph type="sldImg"/>
@@ -907,7 +910,7 @@
         <p:nvSpPr>
           <p:cNvPr id="28674" name="Rectangle 2"/>
           <p:cNvSpPr>
-            <a:spLocks noChangeArrowheads="1" noTextEdit="1"/>
+            <a:spLocks noGrp="1" noRot="1" noChangeAspect="1" noChangeArrowheads="1" noTextEdit="1"/>
           </p:cNvSpPr>
           <p:nvPr>
             <p:ph type="sldImg"/>
@@ -996,7 +999,7 @@
         <p:nvSpPr>
           <p:cNvPr id="29698" name="Rectangle 2"/>
           <p:cNvSpPr>
-            <a:spLocks noChangeArrowheads="1" noTextEdit="1"/>
+            <a:spLocks noGrp="1" noRot="1" noChangeAspect="1" noChangeArrowheads="1" noTextEdit="1"/>
           </p:cNvSpPr>
           <p:nvPr>
             <p:ph type="sldImg"/>
@@ -1085,7 +1088,7 @@
         <p:nvSpPr>
           <p:cNvPr id="30722" name="Rectangle 2"/>
           <p:cNvSpPr>
-            <a:spLocks noChangeArrowheads="1" noTextEdit="1"/>
+            <a:spLocks noGrp="1" noRot="1" noChangeAspect="1" noChangeArrowheads="1" noTextEdit="1"/>
           </p:cNvSpPr>
           <p:nvPr>
             <p:ph type="sldImg"/>
@@ -1174,7 +1177,7 @@
         <p:nvSpPr>
           <p:cNvPr id="31746" name="Rectangle 2"/>
           <p:cNvSpPr>
-            <a:spLocks noChangeArrowheads="1" noTextEdit="1"/>
+            <a:spLocks noGrp="1" noRot="1" noChangeAspect="1" noChangeArrowheads="1" noTextEdit="1"/>
           </p:cNvSpPr>
           <p:nvPr>
             <p:ph type="sldImg"/>
@@ -1263,7 +1266,7 @@
         <p:nvSpPr>
           <p:cNvPr id="45058" name="Rectangle 2"/>
           <p:cNvSpPr>
-            <a:spLocks noChangeArrowheads="1" noTextEdit="1"/>
+            <a:spLocks noGrp="1" noRot="1" noChangeAspect="1" noChangeArrowheads="1" noTextEdit="1"/>
           </p:cNvSpPr>
           <p:nvPr>
             <p:ph type="sldImg"/>
@@ -1352,7 +1355,7 @@
         <p:nvSpPr>
           <p:cNvPr id="23554" name="Rectangle 2"/>
           <p:cNvSpPr>
-            <a:spLocks noChangeArrowheads="1" noTextEdit="1"/>
+            <a:spLocks noGrp="1" noRot="1" noChangeAspect="1" noChangeArrowheads="1" noTextEdit="1"/>
           </p:cNvSpPr>
           <p:nvPr>
             <p:ph type="sldImg"/>
@@ -1441,7 +1444,7 @@
         <p:nvSpPr>
           <p:cNvPr id="24578" name="Rectangle 2"/>
           <p:cNvSpPr>
-            <a:spLocks noChangeArrowheads="1" noTextEdit="1"/>
+            <a:spLocks noGrp="1" noRot="1" noChangeAspect="1" noChangeArrowheads="1" noTextEdit="1"/>
           </p:cNvSpPr>
           <p:nvPr>
             <p:ph type="sldImg"/>
@@ -1530,7 +1533,7 @@
         <p:nvSpPr>
           <p:cNvPr id="40962" name="Rectangle 2"/>
           <p:cNvSpPr>
-            <a:spLocks noChangeArrowheads="1" noTextEdit="1"/>
+            <a:spLocks noGrp="1" noRot="1" noChangeAspect="1" noChangeArrowheads="1" noTextEdit="1"/>
           </p:cNvSpPr>
           <p:nvPr>
             <p:ph type="sldImg"/>
@@ -1619,7 +1622,7 @@
         <p:nvSpPr>
           <p:cNvPr id="25602" name="Rectangle 2"/>
           <p:cNvSpPr>
-            <a:spLocks noChangeArrowheads="1" noTextEdit="1"/>
+            <a:spLocks noGrp="1" noRot="1" noChangeAspect="1" noChangeArrowheads="1" noTextEdit="1"/>
           </p:cNvSpPr>
           <p:nvPr>
             <p:ph type="sldImg"/>
@@ -1708,7 +1711,7 @@
         <p:nvSpPr>
           <p:cNvPr id="26626" name="Rectangle 2"/>
           <p:cNvSpPr>
-            <a:spLocks noChangeArrowheads="1" noTextEdit="1"/>
+            <a:spLocks noGrp="1" noRot="1" noChangeAspect="1" noChangeArrowheads="1" noTextEdit="1"/>
           </p:cNvSpPr>
           <p:nvPr>
             <p:ph type="sldImg"/>
@@ -1797,7 +1800,7 @@
         <p:nvSpPr>
           <p:cNvPr id="40962" name="Rectangle 2"/>
           <p:cNvSpPr>
-            <a:spLocks noChangeArrowheads="1" noTextEdit="1"/>
+            <a:spLocks noGrp="1" noRot="1" noChangeAspect="1" noChangeArrowheads="1" noTextEdit="1"/>
           </p:cNvSpPr>
           <p:nvPr>
             <p:ph type="sldImg"/>
@@ -1886,7 +1889,7 @@
         <p:nvSpPr>
           <p:cNvPr id="27650" name="Rectangle 2"/>
           <p:cNvSpPr>
-            <a:spLocks noChangeArrowheads="1" noTextEdit="1"/>
+            <a:spLocks noGrp="1" noRot="1" noChangeAspect="1" noChangeArrowheads="1" noTextEdit="1"/>
           </p:cNvSpPr>
           <p:nvPr>
             <p:ph type="sldImg"/>
@@ -1975,7 +1978,7 @@
         <p:nvSpPr>
           <p:cNvPr id="28674" name="Rectangle 2"/>
           <p:cNvSpPr>
-            <a:spLocks noChangeArrowheads="1" noTextEdit="1"/>
+            <a:spLocks noGrp="1" noRot="1" noChangeAspect="1" noChangeArrowheads="1" noTextEdit="1"/>
           </p:cNvSpPr>
           <p:nvPr>
             <p:ph type="sldImg"/>
@@ -2064,7 +2067,7 @@
         <p:nvSpPr>
           <p:cNvPr id="41986" name="Rectangle 2"/>
           <p:cNvSpPr>
-            <a:spLocks noChangeArrowheads="1" noTextEdit="1"/>
+            <a:spLocks noGrp="1" noRot="1" noChangeAspect="1" noChangeArrowheads="1" noTextEdit="1"/>
           </p:cNvSpPr>
           <p:nvPr>
             <p:ph type="sldImg"/>
@@ -2153,7 +2156,7 @@
         <p:nvSpPr>
           <p:cNvPr id="41986" name="Rectangle 2"/>
           <p:cNvSpPr>
-            <a:spLocks noChangeArrowheads="1" noTextEdit="1"/>
+            <a:spLocks noGrp="1" noRot="1" noChangeAspect="1" noChangeArrowheads="1" noTextEdit="1"/>
           </p:cNvSpPr>
           <p:nvPr>
             <p:ph type="sldImg"/>
@@ -2242,7 +2245,7 @@
         <p:nvSpPr>
           <p:cNvPr id="29698" name="Rectangle 2"/>
           <p:cNvSpPr>
-            <a:spLocks noChangeArrowheads="1" noTextEdit="1"/>
+            <a:spLocks noGrp="1" noRot="1" noChangeAspect="1" noChangeArrowheads="1" noTextEdit="1"/>
           </p:cNvSpPr>
           <p:nvPr>
             <p:ph type="sldImg"/>
@@ -2331,7 +2334,7 @@
         <p:nvSpPr>
           <p:cNvPr id="30722" name="Rectangle 2"/>
           <p:cNvSpPr>
-            <a:spLocks noChangeArrowheads="1" noTextEdit="1"/>
+            <a:spLocks noGrp="1" noRot="1" noChangeAspect="1" noChangeArrowheads="1" noTextEdit="1"/>
           </p:cNvSpPr>
           <p:nvPr>
             <p:ph type="sldImg"/>
@@ -2420,7 +2423,7 @@
         <p:nvSpPr>
           <p:cNvPr id="31746" name="Rectangle 2"/>
           <p:cNvSpPr>
-            <a:spLocks noChangeArrowheads="1" noTextEdit="1"/>
+            <a:spLocks noGrp="1" noRot="1" noChangeAspect="1" noChangeArrowheads="1" noTextEdit="1"/>
           </p:cNvSpPr>
           <p:nvPr>
             <p:ph type="sldImg"/>
@@ -2509,7 +2512,7 @@
         <p:nvSpPr>
           <p:cNvPr id="21506" name="Rectangle 2"/>
           <p:cNvSpPr>
-            <a:spLocks noChangeArrowheads="1" noTextEdit="1"/>
+            <a:spLocks noGrp="1" noRot="1" noChangeAspect="1" noChangeArrowheads="1" noTextEdit="1"/>
           </p:cNvSpPr>
           <p:nvPr>
             <p:ph type="sldImg"/>
@@ -2598,7 +2601,7 @@
         <p:nvSpPr>
           <p:cNvPr id="32770" name="Rectangle 2"/>
           <p:cNvSpPr>
-            <a:spLocks noChangeArrowheads="1" noTextEdit="1"/>
+            <a:spLocks noGrp="1" noRot="1" noChangeAspect="1" noChangeArrowheads="1" noTextEdit="1"/>
           </p:cNvSpPr>
           <p:nvPr>
             <p:ph type="sldImg"/>
@@ -2687,7 +2690,7 @@
         <p:nvSpPr>
           <p:cNvPr id="33794" name="Rectangle 2"/>
           <p:cNvSpPr>
-            <a:spLocks noChangeArrowheads="1" noTextEdit="1"/>
+            <a:spLocks noGrp="1" noRot="1" noChangeAspect="1" noChangeArrowheads="1" noTextEdit="1"/>
           </p:cNvSpPr>
           <p:nvPr>
             <p:ph type="sldImg"/>
@@ -2776,7 +2779,7 @@
         <p:nvSpPr>
           <p:cNvPr id="34818" name="Rectangle 2"/>
           <p:cNvSpPr>
-            <a:spLocks noChangeArrowheads="1" noTextEdit="1"/>
+            <a:spLocks noGrp="1" noRot="1" noChangeAspect="1" noChangeArrowheads="1" noTextEdit="1"/>
           </p:cNvSpPr>
           <p:nvPr>
             <p:ph type="sldImg"/>
@@ -2865,7 +2868,7 @@
         <p:nvSpPr>
           <p:cNvPr id="35842" name="Rectangle 2"/>
           <p:cNvSpPr>
-            <a:spLocks noChangeArrowheads="1" noTextEdit="1"/>
+            <a:spLocks noGrp="1" noRot="1" noChangeAspect="1" noChangeArrowheads="1" noTextEdit="1"/>
           </p:cNvSpPr>
           <p:nvPr>
             <p:ph type="sldImg"/>
@@ -2954,7 +2957,7 @@
         <p:nvSpPr>
           <p:cNvPr id="36866" name="Rectangle 2"/>
           <p:cNvSpPr>
-            <a:spLocks noChangeArrowheads="1" noTextEdit="1"/>
+            <a:spLocks noGrp="1" noRot="1" noChangeAspect="1" noChangeArrowheads="1" noTextEdit="1"/>
           </p:cNvSpPr>
           <p:nvPr>
             <p:ph type="sldImg"/>
@@ -3043,7 +3046,7 @@
         <p:nvSpPr>
           <p:cNvPr id="37890" name="Rectangle 2"/>
           <p:cNvSpPr>
-            <a:spLocks noChangeArrowheads="1" noTextEdit="1"/>
+            <a:spLocks noGrp="1" noRot="1" noChangeAspect="1" noChangeArrowheads="1" noTextEdit="1"/>
           </p:cNvSpPr>
           <p:nvPr>
             <p:ph type="sldImg"/>
@@ -3132,7 +3135,7 @@
         <p:nvSpPr>
           <p:cNvPr id="41986" name="Rectangle 2"/>
           <p:cNvSpPr>
-            <a:spLocks noChangeArrowheads="1" noTextEdit="1"/>
+            <a:spLocks noGrp="1" noRot="1" noChangeAspect="1" noChangeArrowheads="1" noTextEdit="1"/>
           </p:cNvSpPr>
           <p:nvPr>
             <p:ph type="sldImg"/>
@@ -3221,7 +3224,7 @@
         <p:nvSpPr>
           <p:cNvPr id="43010" name="Rectangle 2"/>
           <p:cNvSpPr>
-            <a:spLocks noChangeArrowheads="1" noTextEdit="1"/>
+            <a:spLocks noGrp="1" noRot="1" noChangeAspect="1" noChangeArrowheads="1" noTextEdit="1"/>
           </p:cNvSpPr>
           <p:nvPr>
             <p:ph type="sldImg"/>
@@ -3310,7 +3313,7 @@
         <p:nvSpPr>
           <p:cNvPr id="43010" name="Rectangle 2"/>
           <p:cNvSpPr>
-            <a:spLocks noChangeArrowheads="1" noTextEdit="1"/>
+            <a:spLocks noGrp="1" noRot="1" noChangeAspect="1" noChangeArrowheads="1" noTextEdit="1"/>
           </p:cNvSpPr>
           <p:nvPr>
             <p:ph type="sldImg"/>
@@ -3399,7 +3402,7 @@
         <p:nvSpPr>
           <p:cNvPr id="35842" name="Rectangle 2"/>
           <p:cNvSpPr>
-            <a:spLocks noChangeArrowheads="1" noTextEdit="1"/>
+            <a:spLocks noGrp="1" noRot="1" noChangeAspect="1" noChangeArrowheads="1" noTextEdit="1"/>
           </p:cNvSpPr>
           <p:nvPr>
             <p:ph type="sldImg"/>
@@ -3488,7 +3491,7 @@
         <p:nvSpPr>
           <p:cNvPr id="22530" name="Rectangle 2"/>
           <p:cNvSpPr>
-            <a:spLocks noChangeArrowheads="1" noTextEdit="1"/>
+            <a:spLocks noGrp="1" noRot="1" noChangeAspect="1" noChangeArrowheads="1" noTextEdit="1"/>
           </p:cNvSpPr>
           <p:nvPr>
             <p:ph type="sldImg"/>
@@ -3577,7 +3580,7 @@
         <p:nvSpPr>
           <p:cNvPr id="25602" name="Rectangle 2"/>
           <p:cNvSpPr>
-            <a:spLocks noChangeArrowheads="1" noTextEdit="1"/>
+            <a:spLocks noGrp="1" noRot="1" noChangeAspect="1" noChangeArrowheads="1" noTextEdit="1"/>
           </p:cNvSpPr>
           <p:nvPr>
             <p:ph type="sldImg"/>
@@ -3800,7 +3803,7 @@
           <a:p>
             <a:fld id="{391BA6F7-560C-8141-A5FC-F39638470071}" type="datetimeFigureOut">
               <a:rPr lang="en-US" smtClean="0"/>
-              <a:t>9/18/18</a:t>
+              <a:t>9/19/18</a:t>
             </a:fld>
             <a:endParaRPr lang="en-US"/>
           </a:p>
@@ -3970,7 +3973,7 @@
           <a:p>
             <a:fld id="{391BA6F7-560C-8141-A5FC-F39638470071}" type="datetimeFigureOut">
               <a:rPr lang="en-US" smtClean="0"/>
-              <a:t>9/18/18</a:t>
+              <a:t>9/19/18</a:t>
             </a:fld>
             <a:endParaRPr lang="en-US"/>
           </a:p>
@@ -4150,7 +4153,7 @@
           <a:p>
             <a:fld id="{391BA6F7-560C-8141-A5FC-F39638470071}" type="datetimeFigureOut">
               <a:rPr lang="en-US" smtClean="0"/>
-              <a:t>9/18/18</a:t>
+              <a:t>9/19/18</a:t>
             </a:fld>
             <a:endParaRPr lang="en-US"/>
           </a:p>
@@ -4491,7 +4494,7 @@
           <a:p>
             <a:fld id="{391BA6F7-560C-8141-A5FC-F39638470071}" type="datetimeFigureOut">
               <a:rPr lang="en-US" smtClean="0"/>
-              <a:t>9/18/18</a:t>
+              <a:t>9/19/18</a:t>
             </a:fld>
             <a:endParaRPr lang="en-US"/>
           </a:p>
@@ -4737,7 +4740,7 @@
           <a:p>
             <a:fld id="{391BA6F7-560C-8141-A5FC-F39638470071}" type="datetimeFigureOut">
               <a:rPr lang="en-US" smtClean="0"/>
-              <a:t>9/18/18</a:t>
+              <a:t>9/19/18</a:t>
             </a:fld>
             <a:endParaRPr lang="en-US"/>
           </a:p>
@@ -5025,7 +5028,7 @@
           <a:p>
             <a:fld id="{391BA6F7-560C-8141-A5FC-F39638470071}" type="datetimeFigureOut">
               <a:rPr lang="en-US" smtClean="0"/>
-              <a:t>9/18/18</a:t>
+              <a:t>9/19/18</a:t>
             </a:fld>
             <a:endParaRPr lang="en-US"/>
           </a:p>
@@ -5447,7 +5450,7 @@
           <a:p>
             <a:fld id="{391BA6F7-560C-8141-A5FC-F39638470071}" type="datetimeFigureOut">
               <a:rPr lang="en-US" smtClean="0"/>
-              <a:t>9/18/18</a:t>
+              <a:t>9/19/18</a:t>
             </a:fld>
             <a:endParaRPr lang="en-US"/>
           </a:p>
@@ -5565,7 +5568,7 @@
           <a:p>
             <a:fld id="{391BA6F7-560C-8141-A5FC-F39638470071}" type="datetimeFigureOut">
               <a:rPr lang="en-US" smtClean="0"/>
-              <a:t>9/18/18</a:t>
+              <a:t>9/19/18</a:t>
             </a:fld>
             <a:endParaRPr lang="en-US"/>
           </a:p>
@@ -5660,7 +5663,7 @@
           <a:p>
             <a:fld id="{391BA6F7-560C-8141-A5FC-F39638470071}" type="datetimeFigureOut">
               <a:rPr lang="en-US" smtClean="0"/>
-              <a:t>9/18/18</a:t>
+              <a:t>9/19/18</a:t>
             </a:fld>
             <a:endParaRPr lang="en-US"/>
           </a:p>
@@ -5937,7 +5940,7 @@
           <a:p>
             <a:fld id="{391BA6F7-560C-8141-A5FC-F39638470071}" type="datetimeFigureOut">
               <a:rPr lang="en-US" smtClean="0"/>
-              <a:t>9/18/18</a:t>
+              <a:t>9/19/18</a:t>
             </a:fld>
             <a:endParaRPr lang="en-US"/>
           </a:p>
@@ -6190,7 +6193,7 @@
           <a:p>
             <a:fld id="{391BA6F7-560C-8141-A5FC-F39638470071}" type="datetimeFigureOut">
               <a:rPr lang="en-US" smtClean="0"/>
-              <a:t>9/18/18</a:t>
+              <a:t>9/19/18</a:t>
             </a:fld>
             <a:endParaRPr lang="en-US"/>
           </a:p>
@@ -6403,7 +6406,7 @@
           <a:p>
             <a:fld id="{391BA6F7-560C-8141-A5FC-F39638470071}" type="datetimeFigureOut">
               <a:rPr lang="en-US" smtClean="0"/>
-              <a:t>9/18/18</a:t>
+              <a:t>9/19/18</a:t>
             </a:fld>
             <a:endParaRPr lang="en-US"/>
           </a:p>
@@ -6847,19 +6850,8 @@
                 <a:latin typeface="Arial"/>
                 <a:cs typeface="Arial"/>
               </a:rPr>
-              <a:t>Week </a:t>
-            </a:r>
-            <a:r>
-              <a:rPr lang="en-US" sz="2800" dirty="0" smtClean="0">
-                <a:latin typeface="Arial"/>
-                <a:cs typeface="Arial"/>
-              </a:rPr>
-              <a:t>3- Conditionals, Redirections</a:t>
-            </a:r>
-            <a:endParaRPr lang="en-US" sz="2800" dirty="0" smtClean="0">
-              <a:latin typeface="Arial"/>
-              <a:cs typeface="Arial"/>
-            </a:endParaRPr>
+              <a:t>Week 3- Conditionals, Redirections</a:t>
+            </a:r>
           </a:p>
         </p:txBody>
       </p:sp>
@@ -7016,14 +7008,7 @@
                 <a:latin typeface="Arial"/>
                 <a:cs typeface="Arial"/>
               </a:rPr>
-              <a:t>2018-</a:t>
-            </a:r>
-            <a:r>
-              <a:rPr lang="en-GB" sz="1600" dirty="0">
-                <a:latin typeface="Arial"/>
-                <a:cs typeface="Arial"/>
-              </a:rPr>
-              <a:t>09</a:t>
+              <a:t>2018-09</a:t>
             </a:r>
             <a:r>
               <a:rPr lang="en-GB" sz="1600" dirty="0" smtClean="0">
@@ -8446,7 +8431,7 @@
       </p:par>
     </p:tnLst>
     <p:bldLst>
-      <p:bldP spid="6150" grpId="0" autoUpdateAnimBg="0"/>
+      <p:bldP spid="6150" grpId="0" animBg="1" autoUpdateAnimBg="0"/>
     </p:bldLst>
   </p:timing>
 </p:sld>
@@ -9091,15 +9076,7 @@
             </a:r>
             <a:r>
               <a:rPr lang="en-US" dirty="0" smtClean="0"/>
-              <a:t>(</a:t>
-            </a:r>
-            <a:r>
-              <a:rPr lang="en-US" dirty="0" smtClean="0"/>
-              <a:t>representation data</a:t>
-            </a:r>
-            <a:r>
-              <a:rPr lang="en-US" dirty="0" smtClean="0"/>
-              <a:t>)</a:t>
+              <a:t>(representation data)</a:t>
             </a:r>
             <a:endParaRPr lang="en-US" dirty="0"/>
           </a:p>
@@ -11760,10 +11737,6 @@
               </a:rPr>
               <a:t>	OR</a:t>
             </a:r>
-            <a:endParaRPr lang="en-US" dirty="0" smtClean="0">
-              <a:latin typeface="Arial"/>
-              <a:cs typeface="Arial"/>
-            </a:endParaRPr>
           </a:p>
           <a:p>
             <a:r>
@@ -22237,7 +22210,7 @@
         <p:nvSpPr>
           <p:cNvPr id="9222" name="Text Box 6"/>
           <p:cNvSpPr txBox="1">
-            <a:spLocks noChangeArrowheads="1"/>
+            <a:spLocks noGrp="1" noChangeArrowheads="1"/>
           </p:cNvSpPr>
           <p:nvPr>
             <p:ph type="body" idx="1"/>
@@ -22698,9 +22671,14 @@
           <a:lstStyle/>
           <a:p>
             <a:r>
-              <a:rPr lang="en-US"/>
-              <a:t>Combining Conditionals</a:t>
-            </a:r>
+              <a:rPr lang="en-US" dirty="0"/>
+              <a:t>Combining </a:t>
+            </a:r>
+            <a:r>
+              <a:rPr lang="en-US" dirty="0" smtClean="0"/>
+              <a:t>Conditionals, 2616</a:t>
+            </a:r>
+            <a:endParaRPr lang="en-US" dirty="0"/>
           </a:p>
         </p:txBody>
       </p:sp>
@@ -25036,6 +25014,507 @@
 </p:sld>
 </file>
 
+<file path=ppt/slides/slide38.xml><?xml version="1.0" encoding="utf-8"?>
+<p:sld xmlns:a="http://schemas.openxmlformats.org/drawingml/2006/main" xmlns:r="http://schemas.openxmlformats.org/officeDocument/2006/relationships" xmlns:p="http://schemas.openxmlformats.org/presentationml/2006/main">
+  <p:cSld>
+    <p:spTree>
+      <p:nvGrpSpPr>
+        <p:cNvPr id="1" name=""/>
+        <p:cNvGrpSpPr/>
+        <p:nvPr/>
+      </p:nvGrpSpPr>
+      <p:grpSpPr>
+        <a:xfrm>
+          <a:off x="0" y="0"/>
+          <a:ext cx="0" cy="0"/>
+          <a:chOff x="0" y="0"/>
+          <a:chExt cx="0" cy="0"/>
+        </a:xfrm>
+      </p:grpSpPr>
+      <p:sp>
+        <p:nvSpPr>
+          <p:cNvPr id="2" name="Title 1"/>
+          <p:cNvSpPr>
+            <a:spLocks noGrp="1"/>
+          </p:cNvSpPr>
+          <p:nvPr>
+            <p:ph type="title"/>
+          </p:nvPr>
+        </p:nvSpPr>
+        <p:spPr/>
+        <p:txBody>
+          <a:bodyPr/>
+          <a:lstStyle/>
+          <a:p>
+            <a:r>
+              <a:rPr lang="en-US" dirty="0" smtClean="0"/>
+              <a:t>Conditional Precedence, 7232</a:t>
+            </a:r>
+            <a:endParaRPr lang="en-US" dirty="0"/>
+          </a:p>
+        </p:txBody>
+      </p:sp>
+      <p:sp>
+        <p:nvSpPr>
+          <p:cNvPr id="4" name="TextBox 3"/>
+          <p:cNvSpPr txBox="1"/>
+          <p:nvPr/>
+        </p:nvSpPr>
+        <p:spPr>
+          <a:xfrm>
+            <a:off x="2335726" y="6416361"/>
+            <a:ext cx="4534189" cy="369332"/>
+          </a:xfrm>
+          <a:prstGeom prst="rect">
+            <a:avLst/>
+          </a:prstGeom>
+          <a:noFill/>
+        </p:spPr>
+        <p:txBody>
+          <a:bodyPr wrap="none" rtlCol="0">
+            <a:spAutoFit/>
+          </a:bodyPr>
+          <a:lstStyle/>
+          <a:p>
+            <a:r>
+              <a:rPr lang="en-US" dirty="0">
+                <a:latin typeface="Arial"/>
+                <a:cs typeface="Arial"/>
+                <a:hlinkClick r:id="rId2"/>
+              </a:rPr>
+              <a:t>https://tools.ietf.org/html/rfc7232#section-</a:t>
+            </a:r>
+            <a:r>
+              <a:rPr lang="en-US" dirty="0" smtClean="0">
+                <a:latin typeface="Arial"/>
+                <a:cs typeface="Arial"/>
+                <a:hlinkClick r:id="rId2"/>
+              </a:rPr>
+              <a:t>6</a:t>
+            </a:r>
+            <a:r>
+              <a:rPr lang="en-US" dirty="0" smtClean="0">
+                <a:latin typeface="Arial"/>
+                <a:cs typeface="Arial"/>
+              </a:rPr>
+              <a:t> </a:t>
+            </a:r>
+            <a:endParaRPr lang="en-US" dirty="0">
+              <a:latin typeface="Arial"/>
+              <a:cs typeface="Arial"/>
+            </a:endParaRPr>
+          </a:p>
+        </p:txBody>
+      </p:sp>
+      <p:sp>
+        <p:nvSpPr>
+          <p:cNvPr id="5" name="TextBox 4"/>
+          <p:cNvSpPr txBox="1"/>
+          <p:nvPr/>
+        </p:nvSpPr>
+        <p:spPr>
+          <a:xfrm>
+            <a:off x="1406692" y="2061951"/>
+            <a:ext cx="6895488" cy="3416320"/>
+          </a:xfrm>
+          <a:prstGeom prst="rect">
+            <a:avLst/>
+          </a:prstGeom>
+          <a:noFill/>
+        </p:spPr>
+        <p:txBody>
+          <a:bodyPr wrap="none" rtlCol="0">
+            <a:spAutoFit/>
+          </a:bodyPr>
+          <a:lstStyle/>
+          <a:p>
+            <a:endParaRPr lang="en-US" dirty="0">
+              <a:latin typeface="Arial"/>
+              <a:cs typeface="Arial"/>
+            </a:endParaRPr>
+          </a:p>
+          <a:p>
+            <a:r>
+              <a:rPr lang="en-US" dirty="0">
+                <a:latin typeface="Arial"/>
+                <a:cs typeface="Arial"/>
+              </a:rPr>
+              <a:t>   A recipient cache or origin server MUST evaluate the request</a:t>
+            </a:r>
+          </a:p>
+          <a:p>
+            <a:r>
+              <a:rPr lang="en-US" dirty="0">
+                <a:latin typeface="Arial"/>
+                <a:cs typeface="Arial"/>
+              </a:rPr>
+              <a:t>   preconditions defined by this specification in the following order:</a:t>
+            </a:r>
+          </a:p>
+          <a:p>
+            <a:endParaRPr lang="en-US" dirty="0">
+              <a:latin typeface="Arial"/>
+              <a:cs typeface="Arial"/>
+            </a:endParaRPr>
+          </a:p>
+          <a:p>
+            <a:r>
+              <a:rPr lang="en-US" dirty="0">
+                <a:latin typeface="Arial"/>
+                <a:cs typeface="Arial"/>
+              </a:rPr>
+              <a:t>   1.  When recipient is the origin server and If-Match is present,</a:t>
+            </a:r>
+          </a:p>
+          <a:p>
+            <a:r>
+              <a:rPr lang="en-US" dirty="0">
+                <a:latin typeface="Arial"/>
+                <a:cs typeface="Arial"/>
+              </a:rPr>
+              <a:t>       evaluate the If-Match precondition:</a:t>
+            </a:r>
+          </a:p>
+          <a:p>
+            <a:endParaRPr lang="en-US" dirty="0">
+              <a:latin typeface="Arial"/>
+              <a:cs typeface="Arial"/>
+            </a:endParaRPr>
+          </a:p>
+          <a:p>
+            <a:r>
+              <a:rPr lang="en-US" dirty="0">
+                <a:latin typeface="Arial"/>
+                <a:cs typeface="Arial"/>
+              </a:rPr>
+              <a:t>       *  if true, continue to step 3</a:t>
+            </a:r>
+          </a:p>
+          <a:p>
+            <a:endParaRPr lang="en-US" dirty="0">
+              <a:latin typeface="Arial"/>
+              <a:cs typeface="Arial"/>
+            </a:endParaRPr>
+          </a:p>
+          <a:p>
+            <a:r>
+              <a:rPr lang="en-US" dirty="0">
+                <a:latin typeface="Arial"/>
+                <a:cs typeface="Arial"/>
+              </a:rPr>
+              <a:t>       *  if false, respond 412 (Precondition Failed) unless it can be</a:t>
+            </a:r>
+          </a:p>
+          <a:p>
+            <a:r>
+              <a:rPr lang="en-US" dirty="0">
+                <a:latin typeface="Arial"/>
+                <a:cs typeface="Arial"/>
+              </a:rPr>
+              <a:t>          determined that the state-changing request has already</a:t>
+            </a:r>
+          </a:p>
+          <a:p>
+            <a:r>
+              <a:rPr lang="en-US" dirty="0">
+                <a:latin typeface="Arial"/>
+                <a:cs typeface="Arial"/>
+              </a:rPr>
+              <a:t>          succeeded (see Section 3.1)</a:t>
+            </a:r>
+          </a:p>
+        </p:txBody>
+      </p:sp>
+    </p:spTree>
+    <p:extLst>
+      <p:ext uri="{BB962C8B-B14F-4D97-AF65-F5344CB8AC3E}">
+        <p14:creationId xmlns:p14="http://schemas.microsoft.com/office/powerpoint/2010/main" val="3679596222"/>
+      </p:ext>
+    </p:extLst>
+  </p:cSld>
+  <p:clrMapOvr>
+    <a:masterClrMapping/>
+  </p:clrMapOvr>
+</p:sld>
+</file>
+
+<file path=ppt/slides/slide39.xml><?xml version="1.0" encoding="utf-8"?>
+<p:sld xmlns:a="http://schemas.openxmlformats.org/drawingml/2006/main" xmlns:r="http://schemas.openxmlformats.org/officeDocument/2006/relationships" xmlns:p="http://schemas.openxmlformats.org/presentationml/2006/main">
+  <p:cSld>
+    <p:spTree>
+      <p:nvGrpSpPr>
+        <p:cNvPr id="1" name=""/>
+        <p:cNvGrpSpPr/>
+        <p:nvPr/>
+      </p:nvGrpSpPr>
+      <p:grpSpPr>
+        <a:xfrm>
+          <a:off x="0" y="0"/>
+          <a:ext cx="0" cy="0"/>
+          <a:chOff x="0" y="0"/>
+          <a:chExt cx="0" cy="0"/>
+        </a:xfrm>
+      </p:grpSpPr>
+      <p:sp>
+        <p:nvSpPr>
+          <p:cNvPr id="2" name="Title 1"/>
+          <p:cNvSpPr>
+            <a:spLocks noGrp="1"/>
+          </p:cNvSpPr>
+          <p:nvPr>
+            <p:ph type="title"/>
+          </p:nvPr>
+        </p:nvSpPr>
+        <p:spPr>
+          <a:xfrm>
+            <a:off x="685800" y="361417"/>
+            <a:ext cx="7772400" cy="1143000"/>
+          </a:xfrm>
+        </p:spPr>
+        <p:txBody>
+          <a:bodyPr/>
+          <a:lstStyle/>
+          <a:p>
+            <a:r>
+              <a:rPr lang="en-US" dirty="0" smtClean="0"/>
+              <a:t>Conditional Precedence, 7232</a:t>
+            </a:r>
+            <a:endParaRPr lang="en-US" dirty="0"/>
+          </a:p>
+        </p:txBody>
+      </p:sp>
+      <p:sp>
+        <p:nvSpPr>
+          <p:cNvPr id="4" name="TextBox 3"/>
+          <p:cNvSpPr txBox="1"/>
+          <p:nvPr/>
+        </p:nvSpPr>
+        <p:spPr>
+          <a:xfrm>
+            <a:off x="2335726" y="6474757"/>
+            <a:ext cx="4534189" cy="369332"/>
+          </a:xfrm>
+          <a:prstGeom prst="rect">
+            <a:avLst/>
+          </a:prstGeom>
+          <a:noFill/>
+        </p:spPr>
+        <p:txBody>
+          <a:bodyPr wrap="none" rtlCol="0">
+            <a:spAutoFit/>
+          </a:bodyPr>
+          <a:lstStyle/>
+          <a:p>
+            <a:r>
+              <a:rPr lang="en-US" dirty="0">
+                <a:latin typeface="Arial"/>
+                <a:cs typeface="Arial"/>
+                <a:hlinkClick r:id="rId2"/>
+              </a:rPr>
+              <a:t>https://tools.ietf.org/html/rfc7232#section-</a:t>
+            </a:r>
+            <a:r>
+              <a:rPr lang="en-US" dirty="0" smtClean="0">
+                <a:latin typeface="Arial"/>
+                <a:cs typeface="Arial"/>
+                <a:hlinkClick r:id="rId2"/>
+              </a:rPr>
+              <a:t>6</a:t>
+            </a:r>
+            <a:r>
+              <a:rPr lang="en-US" dirty="0" smtClean="0">
+                <a:latin typeface="Arial"/>
+                <a:cs typeface="Arial"/>
+              </a:rPr>
+              <a:t> </a:t>
+            </a:r>
+            <a:endParaRPr lang="en-US" dirty="0">
+              <a:latin typeface="Arial"/>
+              <a:cs typeface="Arial"/>
+            </a:endParaRPr>
+          </a:p>
+        </p:txBody>
+      </p:sp>
+      <p:sp>
+        <p:nvSpPr>
+          <p:cNvPr id="5" name="TextBox 4"/>
+          <p:cNvSpPr txBox="1"/>
+          <p:nvPr/>
+        </p:nvSpPr>
+        <p:spPr>
+          <a:xfrm>
+            <a:off x="1056333" y="1390387"/>
+            <a:ext cx="7202625" cy="5078314"/>
+          </a:xfrm>
+          <a:prstGeom prst="rect">
+            <a:avLst/>
+          </a:prstGeom>
+          <a:noFill/>
+        </p:spPr>
+        <p:txBody>
+          <a:bodyPr wrap="none" rtlCol="0">
+            <a:spAutoFit/>
+          </a:bodyPr>
+          <a:lstStyle/>
+          <a:p>
+            <a:r>
+              <a:rPr lang="en-US" dirty="0">
+                <a:latin typeface="Arial"/>
+                <a:cs typeface="Arial"/>
+              </a:rPr>
+              <a:t> 2.  When recipient is the origin server, If-Match is not present, and</a:t>
+            </a:r>
+          </a:p>
+          <a:p>
+            <a:r>
+              <a:rPr lang="en-US" dirty="0">
+                <a:latin typeface="Arial"/>
+                <a:cs typeface="Arial"/>
+              </a:rPr>
+              <a:t>       If-Unmodified-Since is present, evaluate the If-Unmodified-Since</a:t>
+            </a:r>
+          </a:p>
+          <a:p>
+            <a:r>
+              <a:rPr lang="en-US" dirty="0">
+                <a:latin typeface="Arial"/>
+                <a:cs typeface="Arial"/>
+              </a:rPr>
+              <a:t>       precondition:</a:t>
+            </a:r>
+          </a:p>
+          <a:p>
+            <a:endParaRPr lang="en-US" dirty="0">
+              <a:latin typeface="Arial"/>
+              <a:cs typeface="Arial"/>
+            </a:endParaRPr>
+          </a:p>
+          <a:p>
+            <a:r>
+              <a:rPr lang="en-US" dirty="0">
+                <a:latin typeface="Arial"/>
+                <a:cs typeface="Arial"/>
+              </a:rPr>
+              <a:t>       *  if true, continue to step 3</a:t>
+            </a:r>
+          </a:p>
+          <a:p>
+            <a:endParaRPr lang="en-US" dirty="0">
+              <a:latin typeface="Arial"/>
+              <a:cs typeface="Arial"/>
+            </a:endParaRPr>
+          </a:p>
+          <a:p>
+            <a:r>
+              <a:rPr lang="en-US" dirty="0">
+                <a:latin typeface="Arial"/>
+                <a:cs typeface="Arial"/>
+              </a:rPr>
+              <a:t>       *  if false, respond 412 (Precondition Failed) unless it can be</a:t>
+            </a:r>
+          </a:p>
+          <a:p>
+            <a:r>
+              <a:rPr lang="en-US" dirty="0">
+                <a:latin typeface="Arial"/>
+                <a:cs typeface="Arial"/>
+              </a:rPr>
+              <a:t>          determined that the state-changing request has already</a:t>
+            </a:r>
+          </a:p>
+          <a:p>
+            <a:r>
+              <a:rPr lang="en-US" dirty="0">
+                <a:latin typeface="Arial"/>
+                <a:cs typeface="Arial"/>
+              </a:rPr>
+              <a:t>          succeeded (see Section 3.4)</a:t>
+            </a:r>
+          </a:p>
+          <a:p>
+            <a:endParaRPr lang="en-US" dirty="0">
+              <a:latin typeface="Arial"/>
+              <a:cs typeface="Arial"/>
+            </a:endParaRPr>
+          </a:p>
+          <a:p>
+            <a:r>
+              <a:rPr lang="en-US" dirty="0">
+                <a:latin typeface="Arial"/>
+                <a:cs typeface="Arial"/>
+              </a:rPr>
+              <a:t>   3.  When If-None-Match is present, evaluate the If-None-Match</a:t>
+            </a:r>
+          </a:p>
+          <a:p>
+            <a:r>
+              <a:rPr lang="en-US" dirty="0">
+                <a:latin typeface="Arial"/>
+                <a:cs typeface="Arial"/>
+              </a:rPr>
+              <a:t>       precondition:</a:t>
+            </a:r>
+          </a:p>
+          <a:p>
+            <a:endParaRPr lang="en-US" dirty="0">
+              <a:latin typeface="Arial"/>
+              <a:cs typeface="Arial"/>
+            </a:endParaRPr>
+          </a:p>
+          <a:p>
+            <a:r>
+              <a:rPr lang="en-US" dirty="0">
+                <a:latin typeface="Arial"/>
+                <a:cs typeface="Arial"/>
+              </a:rPr>
+              <a:t>       *  if true, continue to step 5</a:t>
+            </a:r>
+          </a:p>
+          <a:p>
+            <a:endParaRPr lang="en-US" dirty="0">
+              <a:latin typeface="Arial"/>
+              <a:cs typeface="Arial"/>
+            </a:endParaRPr>
+          </a:p>
+          <a:p>
+            <a:r>
+              <a:rPr lang="en-US" dirty="0">
+                <a:latin typeface="Arial"/>
+                <a:cs typeface="Arial"/>
+              </a:rPr>
+              <a:t>       *  if false for GET/HEAD, respond 304 (Not Modified)</a:t>
+            </a:r>
+          </a:p>
+          <a:p>
+            <a:endParaRPr lang="en-US" dirty="0">
+              <a:latin typeface="Arial"/>
+              <a:cs typeface="Arial"/>
+            </a:endParaRPr>
+          </a:p>
+          <a:p>
+            <a:r>
+              <a:rPr lang="en-US" dirty="0">
+                <a:latin typeface="Arial"/>
+                <a:cs typeface="Arial"/>
+              </a:rPr>
+              <a:t>       *  if false for other methods, respond 412 (Precondition Failed)</a:t>
+            </a:r>
+          </a:p>
+        </p:txBody>
+      </p:sp>
+    </p:spTree>
+    <p:extLst>
+      <p:ext uri="{BB962C8B-B14F-4D97-AF65-F5344CB8AC3E}">
+        <p14:creationId xmlns:p14="http://schemas.microsoft.com/office/powerpoint/2010/main" val="810644758"/>
+      </p:ext>
+    </p:extLst>
+  </p:cSld>
+  <p:clrMapOvr>
+    <a:masterClrMapping/>
+  </p:clrMapOvr>
+</p:sld>
+</file>
+
 <file path=ppt/slides/slide4.xml><?xml version="1.0" encoding="utf-8"?>
 <p:sld xmlns:a="http://schemas.openxmlformats.org/drawingml/2006/main" xmlns:r="http://schemas.openxmlformats.org/officeDocument/2006/relationships" xmlns:p="http://schemas.openxmlformats.org/presentationml/2006/main">
   <p:cSld>
@@ -25449,6 +25928,298 @@
       </p:par>
     </p:tnLst>
   </p:timing>
+</p:sld>
+</file>
+
+<file path=ppt/slides/slide40.xml><?xml version="1.0" encoding="utf-8"?>
+<p:sld xmlns:a="http://schemas.openxmlformats.org/drawingml/2006/main" xmlns:r="http://schemas.openxmlformats.org/officeDocument/2006/relationships" xmlns:p="http://schemas.openxmlformats.org/presentationml/2006/main">
+  <p:cSld>
+    <p:spTree>
+      <p:nvGrpSpPr>
+        <p:cNvPr id="1" name=""/>
+        <p:cNvGrpSpPr/>
+        <p:nvPr/>
+      </p:nvGrpSpPr>
+      <p:grpSpPr>
+        <a:xfrm>
+          <a:off x="0" y="0"/>
+          <a:ext cx="0" cy="0"/>
+          <a:chOff x="0" y="0"/>
+          <a:chExt cx="0" cy="0"/>
+        </a:xfrm>
+      </p:grpSpPr>
+      <p:sp>
+        <p:nvSpPr>
+          <p:cNvPr id="2" name="Title 1"/>
+          <p:cNvSpPr>
+            <a:spLocks noGrp="1"/>
+          </p:cNvSpPr>
+          <p:nvPr>
+            <p:ph type="title"/>
+          </p:nvPr>
+        </p:nvSpPr>
+        <p:spPr>
+          <a:xfrm>
+            <a:off x="685800" y="142432"/>
+            <a:ext cx="7772400" cy="1143000"/>
+          </a:xfrm>
+        </p:spPr>
+        <p:txBody>
+          <a:bodyPr/>
+          <a:lstStyle/>
+          <a:p>
+            <a:r>
+              <a:rPr lang="en-US" dirty="0" smtClean="0"/>
+              <a:t>Conditional Precedence, 7232</a:t>
+            </a:r>
+            <a:endParaRPr lang="en-US" dirty="0"/>
+          </a:p>
+        </p:txBody>
+      </p:sp>
+      <p:sp>
+        <p:nvSpPr>
+          <p:cNvPr id="4" name="TextBox 3"/>
+          <p:cNvSpPr txBox="1"/>
+          <p:nvPr/>
+        </p:nvSpPr>
+        <p:spPr>
+          <a:xfrm>
+            <a:off x="2335726" y="6474757"/>
+            <a:ext cx="4534189" cy="369332"/>
+          </a:xfrm>
+          <a:prstGeom prst="rect">
+            <a:avLst/>
+          </a:prstGeom>
+          <a:noFill/>
+        </p:spPr>
+        <p:txBody>
+          <a:bodyPr wrap="none" rtlCol="0">
+            <a:spAutoFit/>
+          </a:bodyPr>
+          <a:lstStyle/>
+          <a:p>
+            <a:r>
+              <a:rPr lang="en-US" dirty="0">
+                <a:latin typeface="Arial"/>
+                <a:cs typeface="Arial"/>
+                <a:hlinkClick r:id="rId2"/>
+              </a:rPr>
+              <a:t>https://tools.ietf.org/html/rfc7232#section-</a:t>
+            </a:r>
+            <a:r>
+              <a:rPr lang="en-US" dirty="0" smtClean="0">
+                <a:latin typeface="Arial"/>
+                <a:cs typeface="Arial"/>
+                <a:hlinkClick r:id="rId2"/>
+              </a:rPr>
+              <a:t>6</a:t>
+            </a:r>
+            <a:r>
+              <a:rPr lang="en-US" dirty="0" smtClean="0">
+                <a:latin typeface="Arial"/>
+                <a:cs typeface="Arial"/>
+              </a:rPr>
+              <a:t> </a:t>
+            </a:r>
+            <a:endParaRPr lang="en-US" dirty="0">
+              <a:latin typeface="Arial"/>
+              <a:cs typeface="Arial"/>
+            </a:endParaRPr>
+          </a:p>
+        </p:txBody>
+      </p:sp>
+      <p:sp>
+        <p:nvSpPr>
+          <p:cNvPr id="5" name="TextBox 4"/>
+          <p:cNvSpPr txBox="1"/>
+          <p:nvPr/>
+        </p:nvSpPr>
+        <p:spPr>
+          <a:xfrm>
+            <a:off x="822761" y="894015"/>
+            <a:ext cx="7814083" cy="5632312"/>
+          </a:xfrm>
+          <a:prstGeom prst="rect">
+            <a:avLst/>
+          </a:prstGeom>
+          <a:noFill/>
+        </p:spPr>
+        <p:txBody>
+          <a:bodyPr wrap="none" rtlCol="0">
+            <a:spAutoFit/>
+          </a:bodyPr>
+          <a:lstStyle/>
+          <a:p>
+            <a:endParaRPr lang="en-US" dirty="0">
+              <a:latin typeface="Arial"/>
+              <a:cs typeface="Arial"/>
+            </a:endParaRPr>
+          </a:p>
+          <a:p>
+            <a:r>
+              <a:rPr lang="en-US" dirty="0">
+                <a:latin typeface="Arial"/>
+                <a:cs typeface="Arial"/>
+              </a:rPr>
+              <a:t>   4.  When the method is GET or HEAD, If-None-Match is not present, and</a:t>
+            </a:r>
+          </a:p>
+          <a:p>
+            <a:r>
+              <a:rPr lang="en-US" dirty="0">
+                <a:latin typeface="Arial"/>
+                <a:cs typeface="Arial"/>
+              </a:rPr>
+              <a:t>       If-Modified-Since is present, evaluate the If-Modified-Since</a:t>
+            </a:r>
+          </a:p>
+          <a:p>
+            <a:r>
+              <a:rPr lang="en-US" dirty="0">
+                <a:latin typeface="Arial"/>
+                <a:cs typeface="Arial"/>
+              </a:rPr>
+              <a:t>       precondition:</a:t>
+            </a:r>
+          </a:p>
+          <a:p>
+            <a:endParaRPr lang="en-US" dirty="0">
+              <a:latin typeface="Arial"/>
+              <a:cs typeface="Arial"/>
+            </a:endParaRPr>
+          </a:p>
+          <a:p>
+            <a:r>
+              <a:rPr lang="en-US" dirty="0">
+                <a:latin typeface="Arial"/>
+                <a:cs typeface="Arial"/>
+              </a:rPr>
+              <a:t>       *  if true, continue to step 5</a:t>
+            </a:r>
+          </a:p>
+          <a:p>
+            <a:endParaRPr lang="en-US" dirty="0">
+              <a:latin typeface="Arial"/>
+              <a:cs typeface="Arial"/>
+            </a:endParaRPr>
+          </a:p>
+          <a:p>
+            <a:r>
+              <a:rPr lang="en-US" dirty="0">
+                <a:latin typeface="Arial"/>
+                <a:cs typeface="Arial"/>
+              </a:rPr>
+              <a:t>       *  if false, respond 304 (Not Modified)</a:t>
+            </a:r>
+          </a:p>
+          <a:p>
+            <a:endParaRPr lang="en-US" dirty="0">
+              <a:latin typeface="Arial"/>
+              <a:cs typeface="Arial"/>
+            </a:endParaRPr>
+          </a:p>
+          <a:p>
+            <a:r>
+              <a:rPr lang="en-US" dirty="0">
+                <a:latin typeface="Arial"/>
+                <a:cs typeface="Arial"/>
+              </a:rPr>
+              <a:t>   5.  When the method is GET and both Range and If-Range are present,</a:t>
+            </a:r>
+          </a:p>
+          <a:p>
+            <a:r>
+              <a:rPr lang="en-US" dirty="0">
+                <a:latin typeface="Arial"/>
+                <a:cs typeface="Arial"/>
+              </a:rPr>
+              <a:t>       evaluate the If-Range precondition:</a:t>
+            </a:r>
+          </a:p>
+          <a:p>
+            <a:endParaRPr lang="en-US" dirty="0">
+              <a:latin typeface="Arial"/>
+              <a:cs typeface="Arial"/>
+            </a:endParaRPr>
+          </a:p>
+          <a:p>
+            <a:r>
+              <a:rPr lang="en-US" dirty="0">
+                <a:latin typeface="Arial"/>
+                <a:cs typeface="Arial"/>
+              </a:rPr>
+              <a:t>       *  if the validator matches and the Range specification is</a:t>
+            </a:r>
+          </a:p>
+          <a:p>
+            <a:r>
+              <a:rPr lang="en-US" dirty="0">
+                <a:latin typeface="Arial"/>
+                <a:cs typeface="Arial"/>
+              </a:rPr>
+              <a:t>          applicable to the selected representation, respond 206</a:t>
+            </a:r>
+          </a:p>
+          <a:p>
+            <a:r>
+              <a:rPr lang="en-US" dirty="0">
+                <a:latin typeface="Arial"/>
+                <a:cs typeface="Arial"/>
+              </a:rPr>
+              <a:t>          (Partial Content) [RFC7233]</a:t>
+            </a:r>
+          </a:p>
+          <a:p>
+            <a:endParaRPr lang="en-US" dirty="0">
+              <a:latin typeface="Arial"/>
+              <a:cs typeface="Arial"/>
+            </a:endParaRPr>
+          </a:p>
+          <a:p>
+            <a:r>
+              <a:rPr lang="en-US" dirty="0">
+                <a:latin typeface="Arial"/>
+                <a:cs typeface="Arial"/>
+              </a:rPr>
+              <a:t>   6.  Otherwise,</a:t>
+            </a:r>
+          </a:p>
+          <a:p>
+            <a:endParaRPr lang="en-US" dirty="0">
+              <a:latin typeface="Arial"/>
+              <a:cs typeface="Arial"/>
+            </a:endParaRPr>
+          </a:p>
+          <a:p>
+            <a:r>
+              <a:rPr lang="en-US" dirty="0">
+                <a:latin typeface="Arial"/>
+                <a:cs typeface="Arial"/>
+              </a:rPr>
+              <a:t>       *  all conditions are met, so perform the requested action and</a:t>
+            </a:r>
+          </a:p>
+          <a:p>
+            <a:r>
+              <a:rPr lang="en-US" dirty="0">
+                <a:latin typeface="Arial"/>
+                <a:cs typeface="Arial"/>
+              </a:rPr>
+              <a:t>          respond according to its success or failure.</a:t>
+            </a:r>
+          </a:p>
+        </p:txBody>
+      </p:sp>
+    </p:spTree>
+    <p:extLst>
+      <p:ext uri="{BB962C8B-B14F-4D97-AF65-F5344CB8AC3E}">
+        <p14:creationId xmlns:p14="http://schemas.microsoft.com/office/powerpoint/2010/main" val="4084809912"/>
+      </p:ext>
+    </p:extLst>
+  </p:cSld>
+  <p:clrMapOvr>
+    <a:masterClrMapping/>
+  </p:clrMapOvr>
 </p:sld>
 </file>
 

--- a/slides/week-04-conditionals-redirections.pptx
+++ b/slides/week-04-conditionals-redirections.pptx
@@ -231,7 +231,7 @@
           <a:p>
             <a:fld id="{E024E3B1-BBED-714D-AE2B-67B8E822FF8F}" type="datetimeFigureOut">
               <a:rPr lang="en-US" smtClean="0"/>
-              <a:t>9/19/18</a:t>
+              <a:t>10/2/18</a:t>
             </a:fld>
             <a:endParaRPr lang="en-US"/>
           </a:p>
@@ -3803,7 +3803,7 @@
           <a:p>
             <a:fld id="{391BA6F7-560C-8141-A5FC-F39638470071}" type="datetimeFigureOut">
               <a:rPr lang="en-US" smtClean="0"/>
-              <a:t>9/19/18</a:t>
+              <a:t>10/2/18</a:t>
             </a:fld>
             <a:endParaRPr lang="en-US"/>
           </a:p>
@@ -3973,7 +3973,7 @@
           <a:p>
             <a:fld id="{391BA6F7-560C-8141-A5FC-F39638470071}" type="datetimeFigureOut">
               <a:rPr lang="en-US" smtClean="0"/>
-              <a:t>9/19/18</a:t>
+              <a:t>10/2/18</a:t>
             </a:fld>
             <a:endParaRPr lang="en-US"/>
           </a:p>
@@ -4153,7 +4153,7 @@
           <a:p>
             <a:fld id="{391BA6F7-560C-8141-A5FC-F39638470071}" type="datetimeFigureOut">
               <a:rPr lang="en-US" smtClean="0"/>
-              <a:t>9/19/18</a:t>
+              <a:t>10/2/18</a:t>
             </a:fld>
             <a:endParaRPr lang="en-US"/>
           </a:p>
@@ -4494,7 +4494,7 @@
           <a:p>
             <a:fld id="{391BA6F7-560C-8141-A5FC-F39638470071}" type="datetimeFigureOut">
               <a:rPr lang="en-US" smtClean="0"/>
-              <a:t>9/19/18</a:t>
+              <a:t>10/2/18</a:t>
             </a:fld>
             <a:endParaRPr lang="en-US"/>
           </a:p>
@@ -4740,7 +4740,7 @@
           <a:p>
             <a:fld id="{391BA6F7-560C-8141-A5FC-F39638470071}" type="datetimeFigureOut">
               <a:rPr lang="en-US" smtClean="0"/>
-              <a:t>9/19/18</a:t>
+              <a:t>10/2/18</a:t>
             </a:fld>
             <a:endParaRPr lang="en-US"/>
           </a:p>
@@ -5028,7 +5028,7 @@
           <a:p>
             <a:fld id="{391BA6F7-560C-8141-A5FC-F39638470071}" type="datetimeFigureOut">
               <a:rPr lang="en-US" smtClean="0"/>
-              <a:t>9/19/18</a:t>
+              <a:t>10/2/18</a:t>
             </a:fld>
             <a:endParaRPr lang="en-US"/>
           </a:p>
@@ -5450,7 +5450,7 @@
           <a:p>
             <a:fld id="{391BA6F7-560C-8141-A5FC-F39638470071}" type="datetimeFigureOut">
               <a:rPr lang="en-US" smtClean="0"/>
-              <a:t>9/19/18</a:t>
+              <a:t>10/2/18</a:t>
             </a:fld>
             <a:endParaRPr lang="en-US"/>
           </a:p>
@@ -5568,7 +5568,7 @@
           <a:p>
             <a:fld id="{391BA6F7-560C-8141-A5FC-F39638470071}" type="datetimeFigureOut">
               <a:rPr lang="en-US" smtClean="0"/>
-              <a:t>9/19/18</a:t>
+              <a:t>10/2/18</a:t>
             </a:fld>
             <a:endParaRPr lang="en-US"/>
           </a:p>
@@ -5663,7 +5663,7 @@
           <a:p>
             <a:fld id="{391BA6F7-560C-8141-A5FC-F39638470071}" type="datetimeFigureOut">
               <a:rPr lang="en-US" smtClean="0"/>
-              <a:t>9/19/18</a:t>
+              <a:t>10/2/18</a:t>
             </a:fld>
             <a:endParaRPr lang="en-US"/>
           </a:p>
@@ -5940,7 +5940,7 @@
           <a:p>
             <a:fld id="{391BA6F7-560C-8141-A5FC-F39638470071}" type="datetimeFigureOut">
               <a:rPr lang="en-US" smtClean="0"/>
-              <a:t>9/19/18</a:t>
+              <a:t>10/2/18</a:t>
             </a:fld>
             <a:endParaRPr lang="en-US"/>
           </a:p>
@@ -6193,7 +6193,7 @@
           <a:p>
             <a:fld id="{391BA6F7-560C-8141-A5FC-F39638470071}" type="datetimeFigureOut">
               <a:rPr lang="en-US" smtClean="0"/>
-              <a:t>9/19/18</a:t>
+              <a:t>10/2/18</a:t>
             </a:fld>
             <a:endParaRPr lang="en-US"/>
           </a:p>
@@ -6406,7 +6406,7 @@
           <a:p>
             <a:fld id="{391BA6F7-560C-8141-A5FC-F39638470071}" type="datetimeFigureOut">
               <a:rPr lang="en-US" smtClean="0"/>
-              <a:t>9/19/18</a:t>
+              <a:t>10/2/18</a:t>
             </a:fld>
             <a:endParaRPr lang="en-US"/>
           </a:p>
@@ -6850,7 +6850,21 @@
                 <a:latin typeface="Arial"/>
                 <a:cs typeface="Arial"/>
               </a:rPr>
-              <a:t>Week 3- Conditionals, Redirections</a:t>
+              <a:t>Week </a:t>
+            </a:r>
+            <a:r>
+              <a:rPr lang="en-US" sz="2800" dirty="0" smtClean="0">
+                <a:latin typeface="Arial"/>
+                <a:cs typeface="Arial"/>
+              </a:rPr>
+              <a:t>4- </a:t>
+            </a:r>
+            <a:r>
+              <a:rPr lang="en-US" sz="2800" dirty="0" smtClean="0">
+                <a:latin typeface="Arial"/>
+                <a:cs typeface="Arial"/>
+              </a:rPr>
+              <a:t>Conditionals, Redirections</a:t>
             </a:r>
           </a:p>
         </p:txBody>
@@ -16691,7 +16705,7 @@
         </p:spPr>
         <p:txBody>
           <a:bodyPr>
-            <a:normAutofit/>
+            <a:normAutofit fontScale="92500"/>
           </a:bodyPr>
           <a:lstStyle>
             <a:lvl1pPr marL="342900" indent="-342900" algn="l" defTabSz="457200" rtl="0" eaLnBrk="1" latinLnBrk="0" hangingPunct="1">
@@ -16840,16 +16854,33 @@
             </a:r>
             <a:r>
               <a:rPr lang="en-US" sz="1600" dirty="0" smtClean="0"/>
-              <a:t> wants –A “</a:t>
-            </a:r>
-            <a:r>
-              <a:rPr lang="en-US" sz="1600" dirty="0" err="1" smtClean="0"/>
+              <a:t> wants </a:t>
+            </a:r>
+            <a:r>
+              <a:rPr lang="en-US" sz="1600" dirty="0" smtClean="0">
+                <a:latin typeface="Courier New"/>
+                <a:cs typeface="Courier New"/>
+              </a:rPr>
+              <a:t>–A “</a:t>
+            </a:r>
+            <a:r>
+              <a:rPr lang="en-US" sz="1600" dirty="0" err="1" smtClean="0">
+                <a:latin typeface="Courier New"/>
+                <a:cs typeface="Courier New"/>
+              </a:rPr>
               <a:t>mozilla</a:t>
             </a:r>
             <a:r>
-              <a:rPr lang="en-US" sz="1600" dirty="0" smtClean="0"/>
+              <a:rPr lang="en-US" sz="1600" dirty="0" smtClean="0">
+                <a:latin typeface="Courier New"/>
+                <a:cs typeface="Courier New"/>
+              </a:rPr>
               <a:t>”</a:t>
             </a:r>
+            <a:endParaRPr lang="en-US" sz="1600" dirty="0" smtClean="0">
+              <a:latin typeface="Courier New"/>
+              <a:cs typeface="Courier New"/>
+            </a:endParaRPr>
           </a:p>
         </p:txBody>
       </p:sp>
